--- a/MySQL实战/23MySQL是怎么保证数据不丢的？.pptx
+++ b/MySQL实战/23MySQL是怎么保证数据不丢的？.pptx
@@ -204,7 +204,7 @@
           <a:p>
             <a:fld id="{A900F2CD-AD8F-46FC-AAAB-A0D218D6826F}" type="datetimeFigureOut">
               <a:rPr lang="zh-CN" altLang="en-US" smtClean="0"/>
-              <a:t>2019/5/26</a:t>
+              <a:t>2019/7/8</a:t>
             </a:fld>
             <a:endParaRPr lang="zh-CN" altLang="en-US"/>
           </a:p>
@@ -1246,7 +1246,7 @@
           <a:p>
             <a:fld id="{E396512D-F96B-4538-B91A-F7EB57A489A0}" type="datetimeFigureOut">
               <a:rPr lang="zh-CN" altLang="en-US" smtClean="0"/>
-              <a:t>2019/5/26</a:t>
+              <a:t>2019/7/8</a:t>
             </a:fld>
             <a:endParaRPr lang="zh-CN" altLang="en-US"/>
           </a:p>
@@ -1521,7 +1521,7 @@
           <a:p>
             <a:fld id="{E396512D-F96B-4538-B91A-F7EB57A489A0}" type="datetimeFigureOut">
               <a:rPr lang="zh-CN" altLang="en-US" smtClean="0"/>
-              <a:t>2019/5/26</a:t>
+              <a:t>2019/7/8</a:t>
             </a:fld>
             <a:endParaRPr lang="zh-CN" altLang="en-US"/>
           </a:p>
@@ -1715,7 +1715,7 @@
           <a:p>
             <a:fld id="{E396512D-F96B-4538-B91A-F7EB57A489A0}" type="datetimeFigureOut">
               <a:rPr lang="zh-CN" altLang="en-US" smtClean="0"/>
-              <a:t>2019/5/26</a:t>
+              <a:t>2019/7/8</a:t>
             </a:fld>
             <a:endParaRPr lang="zh-CN" altLang="en-US"/>
           </a:p>
@@ -1988,7 +1988,7 @@
           <a:p>
             <a:fld id="{E396512D-F96B-4538-B91A-F7EB57A489A0}" type="datetimeFigureOut">
               <a:rPr lang="zh-CN" altLang="en-US" smtClean="0"/>
-              <a:t>2019/5/26</a:t>
+              <a:t>2019/7/8</a:t>
             </a:fld>
             <a:endParaRPr lang="zh-CN" altLang="en-US"/>
           </a:p>
@@ -2329,7 +2329,7 @@
           <a:p>
             <a:fld id="{E396512D-F96B-4538-B91A-F7EB57A489A0}" type="datetimeFigureOut">
               <a:rPr lang="zh-CN" altLang="en-US" smtClean="0"/>
-              <a:t>2019/5/26</a:t>
+              <a:t>2019/7/8</a:t>
             </a:fld>
             <a:endParaRPr lang="zh-CN" altLang="en-US"/>
           </a:p>
@@ -2952,7 +2952,7 @@
           <a:p>
             <a:fld id="{E396512D-F96B-4538-B91A-F7EB57A489A0}" type="datetimeFigureOut">
               <a:rPr lang="zh-CN" altLang="en-US" smtClean="0"/>
-              <a:t>2019/5/26</a:t>
+              <a:t>2019/7/8</a:t>
             </a:fld>
             <a:endParaRPr lang="zh-CN" altLang="en-US"/>
           </a:p>
@@ -3812,7 +3812,7 @@
           <a:p>
             <a:fld id="{E396512D-F96B-4538-B91A-F7EB57A489A0}" type="datetimeFigureOut">
               <a:rPr lang="zh-CN" altLang="en-US" smtClean="0"/>
-              <a:t>2019/5/26</a:t>
+              <a:t>2019/7/8</a:t>
             </a:fld>
             <a:endParaRPr lang="zh-CN" altLang="en-US"/>
           </a:p>
@@ -3982,7 +3982,7 @@
           <a:p>
             <a:fld id="{E396512D-F96B-4538-B91A-F7EB57A489A0}" type="datetimeFigureOut">
               <a:rPr lang="zh-CN" altLang="en-US" smtClean="0"/>
-              <a:t>2019/5/26</a:t>
+              <a:t>2019/7/8</a:t>
             </a:fld>
             <a:endParaRPr lang="zh-CN" altLang="en-US"/>
           </a:p>
@@ -4162,7 +4162,7 @@
           <a:p>
             <a:fld id="{E396512D-F96B-4538-B91A-F7EB57A489A0}" type="datetimeFigureOut">
               <a:rPr lang="zh-CN" altLang="en-US" smtClean="0"/>
-              <a:t>2019/5/26</a:t>
+              <a:t>2019/7/8</a:t>
             </a:fld>
             <a:endParaRPr lang="zh-CN" altLang="en-US"/>
           </a:p>
@@ -4332,7 +4332,7 @@
           <a:p>
             <a:fld id="{E396512D-F96B-4538-B91A-F7EB57A489A0}" type="datetimeFigureOut">
               <a:rPr lang="zh-CN" altLang="en-US" smtClean="0"/>
-              <a:t>2019/5/26</a:t>
+              <a:t>2019/7/8</a:t>
             </a:fld>
             <a:endParaRPr lang="zh-CN" altLang="en-US"/>
           </a:p>
@@ -4579,7 +4579,7 @@
           <a:p>
             <a:fld id="{E396512D-F96B-4538-B91A-F7EB57A489A0}" type="datetimeFigureOut">
               <a:rPr lang="zh-CN" altLang="en-US" smtClean="0"/>
-              <a:t>2019/5/26</a:t>
+              <a:t>2019/7/8</a:t>
             </a:fld>
             <a:endParaRPr lang="zh-CN" altLang="en-US"/>
           </a:p>
@@ -4871,7 +4871,7 @@
           <a:p>
             <a:fld id="{E396512D-F96B-4538-B91A-F7EB57A489A0}" type="datetimeFigureOut">
               <a:rPr lang="zh-CN" altLang="en-US" smtClean="0"/>
-              <a:t>2019/5/26</a:t>
+              <a:t>2019/7/8</a:t>
             </a:fld>
             <a:endParaRPr lang="zh-CN" altLang="en-US"/>
           </a:p>
@@ -5315,7 +5315,7 @@
           <a:p>
             <a:fld id="{E396512D-F96B-4538-B91A-F7EB57A489A0}" type="datetimeFigureOut">
               <a:rPr lang="zh-CN" altLang="en-US" smtClean="0"/>
-              <a:t>2019/5/26</a:t>
+              <a:t>2019/7/8</a:t>
             </a:fld>
             <a:endParaRPr lang="zh-CN" altLang="en-US"/>
           </a:p>
@@ -5433,7 +5433,7 @@
           <a:p>
             <a:fld id="{E396512D-F96B-4538-B91A-F7EB57A489A0}" type="datetimeFigureOut">
               <a:rPr lang="zh-CN" altLang="en-US" smtClean="0"/>
-              <a:t>2019/5/26</a:t>
+              <a:t>2019/7/8</a:t>
             </a:fld>
             <a:endParaRPr lang="zh-CN" altLang="en-US"/>
           </a:p>
@@ -5528,7 +5528,7 @@
           <a:p>
             <a:fld id="{E396512D-F96B-4538-B91A-F7EB57A489A0}" type="datetimeFigureOut">
               <a:rPr lang="zh-CN" altLang="en-US" smtClean="0"/>
-              <a:t>2019/5/26</a:t>
+              <a:t>2019/7/8</a:t>
             </a:fld>
             <a:endParaRPr lang="zh-CN" altLang="en-US"/>
           </a:p>
@@ -5807,7 +5807,7 @@
           <a:p>
             <a:fld id="{E396512D-F96B-4538-B91A-F7EB57A489A0}" type="datetimeFigureOut">
               <a:rPr lang="zh-CN" altLang="en-US" smtClean="0"/>
-              <a:t>2019/5/26</a:t>
+              <a:t>2019/7/8</a:t>
             </a:fld>
             <a:endParaRPr lang="zh-CN" altLang="en-US"/>
           </a:p>
@@ -6082,7 +6082,7 @@
           <a:p>
             <a:fld id="{E396512D-F96B-4538-B91A-F7EB57A489A0}" type="datetimeFigureOut">
               <a:rPr lang="zh-CN" altLang="en-US" smtClean="0"/>
-              <a:t>2019/5/26</a:t>
+              <a:t>2019/7/8</a:t>
             </a:fld>
             <a:endParaRPr lang="zh-CN" altLang="en-US"/>
           </a:p>
@@ -6511,7 +6511,7 @@
           <a:p>
             <a:fld id="{E396512D-F96B-4538-B91A-F7EB57A489A0}" type="datetimeFigureOut">
               <a:rPr lang="zh-CN" altLang="en-US" smtClean="0"/>
-              <a:t>2019/5/26</a:t>
+              <a:t>2019/7/8</a:t>
             </a:fld>
             <a:endParaRPr lang="zh-CN" altLang="en-US"/>
           </a:p>
@@ -7073,10 +7073,6 @@
               </a:rPr>
               <a:t>是怎么保证数据不丢的？</a:t>
             </a:r>
-            <a:endParaRPr lang="zh-CN" altLang="en-US" sz="3200" b="1" dirty="0">
-              <a:latin typeface="微软雅黑" panose="020B0503020204020204" pitchFamily="34" charset="-122"/>
-              <a:ea typeface="微软雅黑" panose="020B0503020204020204" pitchFamily="34" charset="-122"/>
-            </a:endParaRPr>
           </a:p>
         </p:txBody>
       </p:sp>
@@ -7279,10 +7275,6 @@
               </a:rPr>
               <a:t>是怎么保证数据不丢的？</a:t>
             </a:r>
-            <a:endParaRPr lang="zh-CN" altLang="en-US" sz="3200" b="1" dirty="0">
-              <a:latin typeface="微软雅黑" panose="020B0503020204020204" pitchFamily="34" charset="-122"/>
-              <a:ea typeface="微软雅黑" panose="020B0503020204020204" pitchFamily="34" charset="-122"/>
-            </a:endParaRPr>
           </a:p>
         </p:txBody>
       </p:sp>
@@ -8273,17 +8265,7 @@
                 <a:latin typeface="微软雅黑" panose="020B0503020204020204" pitchFamily="34" charset="-122"/>
                 <a:ea typeface="微软雅黑" panose="020B0503020204020204" pitchFamily="34" charset="-122"/>
               </a:rPr>
-              <a:t>指定每次提交事务的</a:t>
-            </a:r>
-            <a:r>
-              <a:rPr lang="zh-CN" altLang="en-US" sz="1400" dirty="0" smtClean="0">
-                <a:solidFill>
-                  <a:srgbClr val="FFFF00"/>
-                </a:solidFill>
-                <a:latin typeface="微软雅黑" panose="020B0503020204020204" pitchFamily="34" charset="-122"/>
-                <a:ea typeface="微软雅黑" panose="020B0503020204020204" pitchFamily="34" charset="-122"/>
-              </a:rPr>
-              <a:t>策略：</a:t>
+              <a:t>指定每次提交事务的策略：</a:t>
             </a:r>
             <a:endParaRPr lang="en-US" altLang="zh-CN" sz="1400" dirty="0" smtClean="0">
               <a:solidFill>
@@ -8729,10 +8711,6 @@
               </a:rPr>
               <a:t>是怎么保证数据不丢的？</a:t>
             </a:r>
-            <a:endParaRPr lang="zh-CN" altLang="en-US" sz="3200" b="1" dirty="0">
-              <a:latin typeface="微软雅黑" panose="020B0503020204020204" pitchFamily="34" charset="-122"/>
-              <a:ea typeface="微软雅黑" panose="020B0503020204020204" pitchFamily="34" charset="-122"/>
-            </a:endParaRPr>
           </a:p>
         </p:txBody>
       </p:sp>
@@ -9010,13 +8988,6 @@
               </a:rPr>
               <a:t>server</a:t>
             </a:r>
-            <a:endParaRPr lang="en-US" altLang="zh-CN" sz="1400" dirty="0" smtClean="0">
-              <a:solidFill>
-                <a:srgbClr val="FFFF00"/>
-              </a:solidFill>
-              <a:latin typeface="微软雅黑" panose="020B0503020204020204" pitchFamily="34" charset="-122"/>
-              <a:ea typeface="微软雅黑" panose="020B0503020204020204" pitchFamily="34" charset="-122"/>
-            </a:endParaRPr>
           </a:p>
         </p:txBody>
       </p:sp>
@@ -9051,13 +9022,6 @@
               </a:rPr>
               <a:t>MySQL</a:t>
             </a:r>
-            <a:endParaRPr lang="en-US" altLang="zh-CN" sz="1400" dirty="0" smtClean="0">
-              <a:solidFill>
-                <a:srgbClr val="FFFF00"/>
-              </a:solidFill>
-              <a:latin typeface="微软雅黑" panose="020B0503020204020204" pitchFamily="34" charset="-122"/>
-              <a:ea typeface="微软雅黑" panose="020B0503020204020204" pitchFamily="34" charset="-122"/>
-            </a:endParaRPr>
           </a:p>
         </p:txBody>
       </p:sp>
@@ -9406,17 +9370,7 @@
                 <a:latin typeface="微软雅黑" panose="020B0503020204020204" pitchFamily="34" charset="-122"/>
                 <a:ea typeface="微软雅黑" panose="020B0503020204020204" pitchFamily="34" charset="-122"/>
               </a:rPr>
-              <a:t>指定每次提交事务的</a:t>
-            </a:r>
-            <a:r>
-              <a:rPr lang="zh-CN" altLang="en-US" sz="1400" dirty="0" smtClean="0">
-                <a:solidFill>
-                  <a:srgbClr val="FFFF00"/>
-                </a:solidFill>
-                <a:latin typeface="微软雅黑" panose="020B0503020204020204" pitchFamily="34" charset="-122"/>
-                <a:ea typeface="微软雅黑" panose="020B0503020204020204" pitchFamily="34" charset="-122"/>
-              </a:rPr>
-              <a:t>策略：</a:t>
+              <a:t>指定每次提交事务的策略：</a:t>
             </a:r>
             <a:endParaRPr lang="en-US" altLang="zh-CN" sz="1400" dirty="0" smtClean="0">
               <a:solidFill>
@@ -10000,7 +9954,7 @@
         </p:nvSpPr>
         <p:spPr>
           <a:xfrm>
-            <a:off x="5674953" y="5334892"/>
+            <a:off x="3390231" y="5965410"/>
             <a:ext cx="5704247" cy="307777"/>
           </a:xfrm>
           <a:prstGeom prst="rect">
@@ -10149,10 +10103,6 @@
               </a:rPr>
               <a:t>是怎么保证数据不丢的？</a:t>
             </a:r>
-            <a:endParaRPr lang="zh-CN" altLang="en-US" sz="3200" b="1" dirty="0">
-              <a:latin typeface="微软雅黑" panose="020B0503020204020204" pitchFamily="34" charset="-122"/>
-              <a:ea typeface="微软雅黑" panose="020B0503020204020204" pitchFamily="34" charset="-122"/>
-            </a:endParaRPr>
           </a:p>
         </p:txBody>
       </p:sp>
@@ -10423,13 +10373,6 @@
               </a:rPr>
               <a:t>server</a:t>
             </a:r>
-            <a:endParaRPr lang="en-US" altLang="zh-CN" sz="1400" dirty="0" smtClean="0">
-              <a:solidFill>
-                <a:srgbClr val="FFFF00"/>
-              </a:solidFill>
-              <a:latin typeface="微软雅黑" panose="020B0503020204020204" pitchFamily="34" charset="-122"/>
-              <a:ea typeface="微软雅黑" panose="020B0503020204020204" pitchFamily="34" charset="-122"/>
-            </a:endParaRPr>
           </a:p>
         </p:txBody>
       </p:sp>
@@ -10464,13 +10407,6 @@
               </a:rPr>
               <a:t>MySQL</a:t>
             </a:r>
-            <a:endParaRPr lang="en-US" altLang="zh-CN" sz="1400" dirty="0" smtClean="0">
-              <a:solidFill>
-                <a:srgbClr val="FFFF00"/>
-              </a:solidFill>
-              <a:latin typeface="微软雅黑" panose="020B0503020204020204" pitchFamily="34" charset="-122"/>
-              <a:ea typeface="微软雅黑" panose="020B0503020204020204" pitchFamily="34" charset="-122"/>
-            </a:endParaRPr>
           </a:p>
         </p:txBody>
       </p:sp>
@@ -10635,17 +10571,7 @@
                 <a:latin typeface="微软雅黑" panose="020B0503020204020204" pitchFamily="34" charset="-122"/>
                 <a:ea typeface="微软雅黑" panose="020B0503020204020204" pitchFamily="34" charset="-122"/>
               </a:rPr>
-              <a:t>指定每次提交事务的</a:t>
-            </a:r>
-            <a:r>
-              <a:rPr lang="zh-CN" altLang="en-US" sz="1400" dirty="0" smtClean="0">
-                <a:solidFill>
-                  <a:srgbClr val="FFFF00"/>
-                </a:solidFill>
-                <a:latin typeface="微软雅黑" panose="020B0503020204020204" pitchFamily="34" charset="-122"/>
-                <a:ea typeface="微软雅黑" panose="020B0503020204020204" pitchFamily="34" charset="-122"/>
-              </a:rPr>
-              <a:t>策略：</a:t>
+              <a:t>指定每次提交事务的策略：</a:t>
             </a:r>
             <a:endParaRPr lang="en-US" altLang="zh-CN" sz="1400" dirty="0" smtClean="0">
               <a:solidFill>
@@ -12384,10 +12310,6 @@
               </a:rPr>
               <a:t>是怎么保证数据不丢的？</a:t>
             </a:r>
-            <a:endParaRPr lang="zh-CN" altLang="en-US" sz="3200" b="1" dirty="0">
-              <a:latin typeface="微软雅黑" panose="020B0503020204020204" pitchFamily="34" charset="-122"/>
-              <a:ea typeface="微软雅黑" panose="020B0503020204020204" pitchFamily="34" charset="-122"/>
-            </a:endParaRPr>
           </a:p>
         </p:txBody>
       </p:sp>
@@ -14781,6 +14703,99 @@
               <a:t>fsync</a:t>
             </a:r>
             <a:endParaRPr lang="zh-CN" altLang="en-US" sz="1100" dirty="0">
+              <a:latin typeface="微软雅黑" panose="020B0503020204020204" pitchFamily="34" charset="-122"/>
+              <a:ea typeface="微软雅黑" panose="020B0503020204020204" pitchFamily="34" charset="-122"/>
+            </a:endParaRPr>
+          </a:p>
+        </p:txBody>
+      </p:sp>
+      <p:sp>
+        <p:nvSpPr>
+          <p:cNvPr id="46" name="矩形标注 45"/>
+          <p:cNvSpPr/>
+          <p:nvPr/>
+        </p:nvSpPr>
+        <p:spPr>
+          <a:xfrm>
+            <a:off x="7306702" y="4867842"/>
+            <a:ext cx="2184879" cy="552548"/>
+          </a:xfrm>
+          <a:prstGeom prst="wedgeRectCallout">
+            <a:avLst>
+              <a:gd name="adj1" fmla="val 70587"/>
+              <a:gd name="adj2" fmla="val -61407"/>
+            </a:avLst>
+          </a:prstGeom>
+          <a:solidFill>
+            <a:schemeClr val="accent5">
+              <a:alpha val="50000"/>
+            </a:schemeClr>
+          </a:solidFill>
+          <a:ln>
+            <a:noFill/>
+          </a:ln>
+        </p:spPr>
+        <p:style>
+          <a:lnRef idx="0">
+            <a:scrgbClr r="0" g="0" b="0"/>
+          </a:lnRef>
+          <a:fillRef idx="0">
+            <a:scrgbClr r="0" g="0" b="0"/>
+          </a:fillRef>
+          <a:effectRef idx="0">
+            <a:scrgbClr r="0" g="0" b="0"/>
+          </a:effectRef>
+          <a:fontRef idx="minor">
+            <a:schemeClr val="lt1"/>
+          </a:fontRef>
+        </p:style>
+        <p:txBody>
+          <a:bodyPr rtlCol="0" anchor="ctr"/>
+          <a:lstStyle/>
+          <a:p>
+            <a:r>
+              <a:rPr lang="zh-CN" altLang="en-US" sz="1200" smtClean="0">
+                <a:latin typeface="微软雅黑" panose="020B0503020204020204" pitchFamily="34" charset="-122"/>
+                <a:ea typeface="微软雅黑" panose="020B0503020204020204" pitchFamily="34" charset="-122"/>
+              </a:rPr>
+              <a:t>由于</a:t>
+            </a:r>
+            <a:r>
+              <a:rPr lang="en-US" altLang="zh-CN" sz="1200" smtClean="0">
+                <a:latin typeface="微软雅黑" panose="020B0503020204020204" pitchFamily="34" charset="-122"/>
+                <a:ea typeface="微软雅黑" panose="020B0503020204020204" pitchFamily="34" charset="-122"/>
+              </a:rPr>
+              <a:t>binlog</a:t>
+            </a:r>
+            <a:r>
+              <a:rPr lang="zh-CN" altLang="en-US" sz="1200" smtClean="0">
+                <a:latin typeface="微软雅黑" panose="020B0503020204020204" pitchFamily="34" charset="-122"/>
+                <a:ea typeface="微软雅黑" panose="020B0503020204020204" pitchFamily="34" charset="-122"/>
+              </a:rPr>
+              <a:t>的完整保存，这里只需要</a:t>
+            </a:r>
+            <a:r>
+              <a:rPr lang="en-US" altLang="zh-CN" sz="1200" smtClean="0">
+                <a:latin typeface="微软雅黑" panose="020B0503020204020204" pitchFamily="34" charset="-122"/>
+                <a:ea typeface="微软雅黑" panose="020B0503020204020204" pitchFamily="34" charset="-122"/>
+              </a:rPr>
+              <a:t>write</a:t>
+            </a:r>
+            <a:r>
+              <a:rPr lang="zh-CN" altLang="en-US" sz="1200" smtClean="0">
+                <a:latin typeface="微软雅黑" panose="020B0503020204020204" pitchFamily="34" charset="-122"/>
+                <a:ea typeface="微软雅黑" panose="020B0503020204020204" pitchFamily="34" charset="-122"/>
+              </a:rPr>
+              <a:t>即可，不用</a:t>
+            </a:r>
+            <a:r>
+              <a:rPr lang="en-US" altLang="zh-CN" sz="1200" smtClean="0">
+                <a:latin typeface="微软雅黑" panose="020B0503020204020204" pitchFamily="34" charset="-122"/>
+                <a:ea typeface="微软雅黑" panose="020B0503020204020204" pitchFamily="34" charset="-122"/>
+              </a:rPr>
+              <a:t>fsync</a:t>
+            </a:r>
+            <a:endParaRPr lang="en-US" altLang="zh-CN" sz="1200" dirty="0" smtClean="0">
               <a:latin typeface="微软雅黑" panose="020B0503020204020204" pitchFamily="34" charset="-122"/>
               <a:ea typeface="微软雅黑" panose="020B0503020204020204" pitchFamily="34" charset="-122"/>
             </a:endParaRPr>
@@ -14858,10 +14873,6 @@
               </a:rPr>
               <a:t>是怎么保证数据不丢的？</a:t>
             </a:r>
-            <a:endParaRPr lang="zh-CN" altLang="en-US" sz="3200" b="1" dirty="0">
-              <a:latin typeface="微软雅黑" panose="020B0503020204020204" pitchFamily="34" charset="-122"/>
-              <a:ea typeface="微软雅黑" panose="020B0503020204020204" pitchFamily="34" charset="-122"/>
-            </a:endParaRPr>
           </a:p>
         </p:txBody>
       </p:sp>
@@ -15290,13 +15301,6 @@
               </a:rPr>
               <a:t>server</a:t>
             </a:r>
-            <a:endParaRPr lang="en-US" altLang="zh-CN" sz="1400" dirty="0" smtClean="0">
-              <a:solidFill>
-                <a:srgbClr val="FFFF00"/>
-              </a:solidFill>
-              <a:latin typeface="微软雅黑" panose="020B0503020204020204" pitchFamily="34" charset="-122"/>
-              <a:ea typeface="微软雅黑" panose="020B0503020204020204" pitchFamily="34" charset="-122"/>
-            </a:endParaRPr>
           </a:p>
         </p:txBody>
       </p:sp>
@@ -15331,13 +15335,6 @@
               </a:rPr>
               <a:t>MySQL</a:t>
             </a:r>
-            <a:endParaRPr lang="en-US" altLang="zh-CN" sz="1400" dirty="0" smtClean="0">
-              <a:solidFill>
-                <a:srgbClr val="FFFF00"/>
-              </a:solidFill>
-              <a:latin typeface="微软雅黑" panose="020B0503020204020204" pitchFamily="34" charset="-122"/>
-              <a:ea typeface="微软雅黑" panose="020B0503020204020204" pitchFamily="34" charset="-122"/>
-            </a:endParaRPr>
           </a:p>
         </p:txBody>
       </p:sp>
@@ -16863,10 +16860,6 @@
               </a:rPr>
               <a:t>是怎么保证数据不丢的？</a:t>
             </a:r>
-            <a:endParaRPr lang="zh-CN" altLang="en-US" sz="3200" b="1" dirty="0">
-              <a:latin typeface="微软雅黑" panose="020B0503020204020204" pitchFamily="34" charset="-122"/>
-              <a:ea typeface="微软雅黑" panose="020B0503020204020204" pitchFamily="34" charset="-122"/>
-            </a:endParaRPr>
           </a:p>
         </p:txBody>
       </p:sp>
@@ -17865,14 +17858,7 @@
                 <a:latin typeface="微软雅黑" panose="020B0503020204020204" pitchFamily="34" charset="-122"/>
                 <a:ea typeface="微软雅黑" panose="020B0503020204020204" pitchFamily="34" charset="-122"/>
               </a:rPr>
-              <a:t>redo log </a:t>
-            </a:r>
-            <a:r>
-              <a:rPr lang="en-US" altLang="zh-CN" sz="1100" dirty="0" smtClean="0">
-                <a:latin typeface="微软雅黑" panose="020B0503020204020204" pitchFamily="34" charset="-122"/>
-                <a:ea typeface="微软雅黑" panose="020B0503020204020204" pitchFamily="34" charset="-122"/>
-              </a:rPr>
-              <a:t>prepare</a:t>
+              <a:t>redo log prepare</a:t>
             </a:r>
             <a:r>
               <a:rPr lang="zh-CN" altLang="en-US" sz="1100" dirty="0" smtClean="0">
@@ -18496,20 +18482,7 @@
                 <a:latin typeface="微软雅黑" panose="020B0503020204020204" pitchFamily="34" charset="-122"/>
                 <a:ea typeface="微软雅黑" panose="020B0503020204020204" pitchFamily="34" charset="-122"/>
               </a:rPr>
-              <a:t>崩溃重</a:t>
-            </a:r>
-            <a:r>
-              <a:rPr lang="zh-CN" altLang="en-US" sz="1200" dirty="0" smtClean="0">
-                <a:solidFill>
-                  <a:schemeClr val="accent1">
-                    <a:lumMod val="40000"/>
-                    <a:lumOff val="60000"/>
-                  </a:schemeClr>
-                </a:solidFill>
-                <a:latin typeface="微软雅黑" panose="020B0503020204020204" pitchFamily="34" charset="-122"/>
-                <a:ea typeface="微软雅黑" panose="020B0503020204020204" pitchFamily="34" charset="-122"/>
-              </a:rPr>
-              <a:t>启，</a:t>
+              <a:t>崩溃重启，</a:t>
             </a:r>
             <a:r>
               <a:rPr lang="en-US" altLang="zh-CN" sz="1200" dirty="0" smtClean="0">
@@ -19093,13 +19066,6 @@
               </a:rPr>
               <a:t>组提交</a:t>
             </a:r>
-            <a:endParaRPr lang="zh-CN" altLang="en-US" sz="1100" dirty="0">
-              <a:solidFill>
-                <a:srgbClr val="FFFF00"/>
-              </a:solidFill>
-              <a:latin typeface="微软雅黑" panose="020B0503020204020204" pitchFamily="34" charset="-122"/>
-              <a:ea typeface="微软雅黑" panose="020B0503020204020204" pitchFamily="34" charset="-122"/>
-            </a:endParaRPr>
           </a:p>
         </p:txBody>
       </p:sp>
@@ -19745,17 +19711,7 @@
                 <a:latin typeface="微软雅黑" panose="020B0503020204020204" pitchFamily="34" charset="-122"/>
                 <a:ea typeface="微软雅黑" panose="020B0503020204020204" pitchFamily="34" charset="-122"/>
               </a:rPr>
-              <a:t>binlog_group_commit_sync_no_delay</a:t>
-            </a:r>
-            <a:r>
-              <a:rPr lang="en-US" altLang="zh-CN" sz="1100" dirty="0" err="1" smtClean="0">
-                <a:solidFill>
-                  <a:srgbClr val="FFFF00"/>
-                </a:solidFill>
-                <a:latin typeface="微软雅黑" panose="020B0503020204020204" pitchFamily="34" charset="-122"/>
-                <a:ea typeface="微软雅黑" panose="020B0503020204020204" pitchFamily="34" charset="-122"/>
-              </a:rPr>
-              <a:t>_count</a:t>
+              <a:t>binlog_group_commit_sync_no_delay_count</a:t>
             </a:r>
             <a:endParaRPr lang="en-US" altLang="zh-CN" sz="1100" dirty="0" smtClean="0">
               <a:solidFill>
@@ -19838,10 +19794,6 @@
               </a:rPr>
               <a:t>是怎么保证数据不丢的？</a:t>
             </a:r>
-            <a:endParaRPr lang="zh-CN" altLang="en-US" sz="3200" b="1" dirty="0">
-              <a:latin typeface="微软雅黑" panose="020B0503020204020204" pitchFamily="34" charset="-122"/>
-              <a:ea typeface="微软雅黑" panose="020B0503020204020204" pitchFamily="34" charset="-122"/>
-            </a:endParaRPr>
           </a:p>
         </p:txBody>
       </p:sp>

--- a/MySQL实战/23MySQL是怎么保证数据不丢的？.pptx
+++ b/MySQL实战/23MySQL是怎么保证数据不丢的？.pptx
@@ -204,7 +204,7 @@
           <a:p>
             <a:fld id="{A900F2CD-AD8F-46FC-AAAB-A0D218D6826F}" type="datetimeFigureOut">
               <a:rPr lang="zh-CN" altLang="en-US" smtClean="0"/>
-              <a:t>2019/7/8</a:t>
+              <a:t>2020/1/20</a:t>
             </a:fld>
             <a:endParaRPr lang="zh-CN" altLang="en-US"/>
           </a:p>
@@ -1246,7 +1246,7 @@
           <a:p>
             <a:fld id="{E396512D-F96B-4538-B91A-F7EB57A489A0}" type="datetimeFigureOut">
               <a:rPr lang="zh-CN" altLang="en-US" smtClean="0"/>
-              <a:t>2019/7/8</a:t>
+              <a:t>2020/1/20</a:t>
             </a:fld>
             <a:endParaRPr lang="zh-CN" altLang="en-US"/>
           </a:p>
@@ -1521,7 +1521,7 @@
           <a:p>
             <a:fld id="{E396512D-F96B-4538-B91A-F7EB57A489A0}" type="datetimeFigureOut">
               <a:rPr lang="zh-CN" altLang="en-US" smtClean="0"/>
-              <a:t>2019/7/8</a:t>
+              <a:t>2020/1/20</a:t>
             </a:fld>
             <a:endParaRPr lang="zh-CN" altLang="en-US"/>
           </a:p>
@@ -1715,7 +1715,7 @@
           <a:p>
             <a:fld id="{E396512D-F96B-4538-B91A-F7EB57A489A0}" type="datetimeFigureOut">
               <a:rPr lang="zh-CN" altLang="en-US" smtClean="0"/>
-              <a:t>2019/7/8</a:t>
+              <a:t>2020/1/20</a:t>
             </a:fld>
             <a:endParaRPr lang="zh-CN" altLang="en-US"/>
           </a:p>
@@ -1988,7 +1988,7 @@
           <a:p>
             <a:fld id="{E396512D-F96B-4538-B91A-F7EB57A489A0}" type="datetimeFigureOut">
               <a:rPr lang="zh-CN" altLang="en-US" smtClean="0"/>
-              <a:t>2019/7/8</a:t>
+              <a:t>2020/1/20</a:t>
             </a:fld>
             <a:endParaRPr lang="zh-CN" altLang="en-US"/>
           </a:p>
@@ -2329,7 +2329,7 @@
           <a:p>
             <a:fld id="{E396512D-F96B-4538-B91A-F7EB57A489A0}" type="datetimeFigureOut">
               <a:rPr lang="zh-CN" altLang="en-US" smtClean="0"/>
-              <a:t>2019/7/8</a:t>
+              <a:t>2020/1/20</a:t>
             </a:fld>
             <a:endParaRPr lang="zh-CN" altLang="en-US"/>
           </a:p>
@@ -2952,7 +2952,7 @@
           <a:p>
             <a:fld id="{E396512D-F96B-4538-B91A-F7EB57A489A0}" type="datetimeFigureOut">
               <a:rPr lang="zh-CN" altLang="en-US" smtClean="0"/>
-              <a:t>2019/7/8</a:t>
+              <a:t>2020/1/20</a:t>
             </a:fld>
             <a:endParaRPr lang="zh-CN" altLang="en-US"/>
           </a:p>
@@ -3812,7 +3812,7 @@
           <a:p>
             <a:fld id="{E396512D-F96B-4538-B91A-F7EB57A489A0}" type="datetimeFigureOut">
               <a:rPr lang="zh-CN" altLang="en-US" smtClean="0"/>
-              <a:t>2019/7/8</a:t>
+              <a:t>2020/1/20</a:t>
             </a:fld>
             <a:endParaRPr lang="zh-CN" altLang="en-US"/>
           </a:p>
@@ -3982,7 +3982,7 @@
           <a:p>
             <a:fld id="{E396512D-F96B-4538-B91A-F7EB57A489A0}" type="datetimeFigureOut">
               <a:rPr lang="zh-CN" altLang="en-US" smtClean="0"/>
-              <a:t>2019/7/8</a:t>
+              <a:t>2020/1/20</a:t>
             </a:fld>
             <a:endParaRPr lang="zh-CN" altLang="en-US"/>
           </a:p>
@@ -4162,7 +4162,7 @@
           <a:p>
             <a:fld id="{E396512D-F96B-4538-B91A-F7EB57A489A0}" type="datetimeFigureOut">
               <a:rPr lang="zh-CN" altLang="en-US" smtClean="0"/>
-              <a:t>2019/7/8</a:t>
+              <a:t>2020/1/20</a:t>
             </a:fld>
             <a:endParaRPr lang="zh-CN" altLang="en-US"/>
           </a:p>
@@ -4332,7 +4332,7 @@
           <a:p>
             <a:fld id="{E396512D-F96B-4538-B91A-F7EB57A489A0}" type="datetimeFigureOut">
               <a:rPr lang="zh-CN" altLang="en-US" smtClean="0"/>
-              <a:t>2019/7/8</a:t>
+              <a:t>2020/1/20</a:t>
             </a:fld>
             <a:endParaRPr lang="zh-CN" altLang="en-US"/>
           </a:p>
@@ -4579,7 +4579,7 @@
           <a:p>
             <a:fld id="{E396512D-F96B-4538-B91A-F7EB57A489A0}" type="datetimeFigureOut">
               <a:rPr lang="zh-CN" altLang="en-US" smtClean="0"/>
-              <a:t>2019/7/8</a:t>
+              <a:t>2020/1/20</a:t>
             </a:fld>
             <a:endParaRPr lang="zh-CN" altLang="en-US"/>
           </a:p>
@@ -4871,7 +4871,7 @@
           <a:p>
             <a:fld id="{E396512D-F96B-4538-B91A-F7EB57A489A0}" type="datetimeFigureOut">
               <a:rPr lang="zh-CN" altLang="en-US" smtClean="0"/>
-              <a:t>2019/7/8</a:t>
+              <a:t>2020/1/20</a:t>
             </a:fld>
             <a:endParaRPr lang="zh-CN" altLang="en-US"/>
           </a:p>
@@ -5315,7 +5315,7 @@
           <a:p>
             <a:fld id="{E396512D-F96B-4538-B91A-F7EB57A489A0}" type="datetimeFigureOut">
               <a:rPr lang="zh-CN" altLang="en-US" smtClean="0"/>
-              <a:t>2019/7/8</a:t>
+              <a:t>2020/1/20</a:t>
             </a:fld>
             <a:endParaRPr lang="zh-CN" altLang="en-US"/>
           </a:p>
@@ -5433,7 +5433,7 @@
           <a:p>
             <a:fld id="{E396512D-F96B-4538-B91A-F7EB57A489A0}" type="datetimeFigureOut">
               <a:rPr lang="zh-CN" altLang="en-US" smtClean="0"/>
-              <a:t>2019/7/8</a:t>
+              <a:t>2020/1/20</a:t>
             </a:fld>
             <a:endParaRPr lang="zh-CN" altLang="en-US"/>
           </a:p>
@@ -5528,7 +5528,7 @@
           <a:p>
             <a:fld id="{E396512D-F96B-4538-B91A-F7EB57A489A0}" type="datetimeFigureOut">
               <a:rPr lang="zh-CN" altLang="en-US" smtClean="0"/>
-              <a:t>2019/7/8</a:t>
+              <a:t>2020/1/20</a:t>
             </a:fld>
             <a:endParaRPr lang="zh-CN" altLang="en-US"/>
           </a:p>
@@ -5807,7 +5807,7 @@
           <a:p>
             <a:fld id="{E396512D-F96B-4538-B91A-F7EB57A489A0}" type="datetimeFigureOut">
               <a:rPr lang="zh-CN" altLang="en-US" smtClean="0"/>
-              <a:t>2019/7/8</a:t>
+              <a:t>2020/1/20</a:t>
             </a:fld>
             <a:endParaRPr lang="zh-CN" altLang="en-US"/>
           </a:p>
@@ -6082,7 +6082,7 @@
           <a:p>
             <a:fld id="{E396512D-F96B-4538-B91A-F7EB57A489A0}" type="datetimeFigureOut">
               <a:rPr lang="zh-CN" altLang="en-US" smtClean="0"/>
-              <a:t>2019/7/8</a:t>
+              <a:t>2020/1/20</a:t>
             </a:fld>
             <a:endParaRPr lang="zh-CN" altLang="en-US"/>
           </a:p>
@@ -6511,7 +6511,7 @@
           <a:p>
             <a:fld id="{E396512D-F96B-4538-B91A-F7EB57A489A0}" type="datetimeFigureOut">
               <a:rPr lang="zh-CN" altLang="en-US" smtClean="0"/>
-              <a:t>2019/7/8</a:t>
+              <a:t>2020/1/20</a:t>
             </a:fld>
             <a:endParaRPr lang="zh-CN" altLang="en-US"/>
           </a:p>
@@ -14754,42 +14754,49 @@
           <a:lstStyle/>
           <a:p>
             <a:r>
-              <a:rPr lang="zh-CN" altLang="en-US" sz="1200" smtClean="0">
+              <a:rPr lang="zh-CN" altLang="en-US" sz="1200" dirty="0" smtClean="0">
                 <a:latin typeface="微软雅黑" panose="020B0503020204020204" pitchFamily="34" charset="-122"/>
                 <a:ea typeface="微软雅黑" panose="020B0503020204020204" pitchFamily="34" charset="-122"/>
               </a:rPr>
               <a:t>由于</a:t>
             </a:r>
             <a:r>
-              <a:rPr lang="en-US" altLang="zh-CN" sz="1200" smtClean="0">
+              <a:rPr lang="en-US" altLang="zh-CN" sz="1200" dirty="0" err="1" smtClean="0">
                 <a:latin typeface="微软雅黑" panose="020B0503020204020204" pitchFamily="34" charset="-122"/>
                 <a:ea typeface="微软雅黑" panose="020B0503020204020204" pitchFamily="34" charset="-122"/>
               </a:rPr>
               <a:t>binlog</a:t>
             </a:r>
             <a:r>
-              <a:rPr lang="zh-CN" altLang="en-US" sz="1200" smtClean="0">
-                <a:latin typeface="微软雅黑" panose="020B0503020204020204" pitchFamily="34" charset="-122"/>
-                <a:ea typeface="微软雅黑" panose="020B0503020204020204" pitchFamily="34" charset="-122"/>
-              </a:rPr>
-              <a:t>的完整保存，这里只需要</a:t>
-            </a:r>
-            <a:r>
-              <a:rPr lang="en-US" altLang="zh-CN" sz="1200" smtClean="0">
+              <a:rPr lang="zh-CN" altLang="en-US" sz="1200" dirty="0">
+                <a:latin typeface="微软雅黑" panose="020B0503020204020204" pitchFamily="34" charset="-122"/>
+                <a:ea typeface="微软雅黑" panose="020B0503020204020204" pitchFamily="34" charset="-122"/>
+              </a:rPr>
+              <a:t>已完整</a:t>
+            </a:r>
+            <a:r>
+              <a:rPr lang="zh-CN" altLang="en-US" sz="1200" dirty="0" smtClean="0">
+                <a:latin typeface="微软雅黑" panose="020B0503020204020204" pitchFamily="34" charset="-122"/>
+                <a:ea typeface="微软雅黑" panose="020B0503020204020204" pitchFamily="34" charset="-122"/>
+              </a:rPr>
+              <a:t>保存，这里只需要</a:t>
+            </a:r>
+            <a:r>
+              <a:rPr lang="en-US" altLang="zh-CN" sz="1200" dirty="0" smtClean="0">
                 <a:latin typeface="微软雅黑" panose="020B0503020204020204" pitchFamily="34" charset="-122"/>
                 <a:ea typeface="微软雅黑" panose="020B0503020204020204" pitchFamily="34" charset="-122"/>
               </a:rPr>
               <a:t>write</a:t>
             </a:r>
             <a:r>
-              <a:rPr lang="zh-CN" altLang="en-US" sz="1200" smtClean="0">
+              <a:rPr lang="zh-CN" altLang="en-US" sz="1200" dirty="0" smtClean="0">
                 <a:latin typeface="微软雅黑" panose="020B0503020204020204" pitchFamily="34" charset="-122"/>
                 <a:ea typeface="微软雅黑" panose="020B0503020204020204" pitchFamily="34" charset="-122"/>
               </a:rPr>
               <a:t>即可，不用</a:t>
             </a:r>
             <a:r>
-              <a:rPr lang="en-US" altLang="zh-CN" sz="1200" smtClean="0">
+              <a:rPr lang="en-US" altLang="zh-CN" sz="1200" dirty="0" err="1" smtClean="0">
                 <a:latin typeface="微软雅黑" panose="020B0503020204020204" pitchFamily="34" charset="-122"/>
                 <a:ea typeface="微软雅黑" panose="020B0503020204020204" pitchFamily="34" charset="-122"/>
               </a:rPr>
